--- a/Yelp.pptx
+++ b/Yelp.pptx
@@ -25,8 +25,8 @@
     <p:sldId id="359" r:id="rId13"/>
     <p:sldId id="361" r:id="rId14"/>
     <p:sldId id="362" r:id="rId15"/>
-    <p:sldId id="365" r:id="rId16"/>
-    <p:sldId id="368" r:id="rId17"/>
+    <p:sldId id="368" r:id="rId16"/>
+    <p:sldId id="365" r:id="rId17"/>
     <p:sldId id="366" r:id="rId18"/>
     <p:sldId id="367" r:id="rId19"/>
     <p:sldId id="369" r:id="rId20"/>
@@ -229,7 +229,7 @@
           <a:p>
             <a:fld id="{C041F8EF-AAB9-4270-A780-F0A3FEB99821}" type="datetimeFigureOut">
               <a:rPr lang="en-US" smtClean="0"/>
-              <a:t>11/1/2020</a:t>
+              <a:t>11/4/2020</a:t>
             </a:fld>
             <a:endParaRPr lang="en-US"/>
           </a:p>
@@ -394,7 +394,7 @@
           <a:p>
             <a:fld id="{98ED3EF7-8BE8-4A4D-9E49-EFAF1D92B6DA}" type="datetimeFigureOut">
               <a:rPr lang="en-US" smtClean="0"/>
-              <a:t>11/1/2020</a:t>
+              <a:t>11/4/2020</a:t>
             </a:fld>
             <a:endParaRPr lang="en-US"/>
           </a:p>
@@ -808,7 +808,7 @@
           <a:p>
             <a:fld id="{C7704294-5BCF-463B-A5CE-1A01DD03CFF7}" type="datetimeFigureOut">
               <a:rPr lang="en-US" smtClean="0"/>
-              <a:t>11/1/2020</a:t>
+              <a:t>11/4/2020</a:t>
             </a:fld>
             <a:endParaRPr lang="en-US"/>
           </a:p>
@@ -987,7 +987,7 @@
           <a:p>
             <a:fld id="{C7704294-5BCF-463B-A5CE-1A01DD03CFF7}" type="datetimeFigureOut">
               <a:rPr lang="en-US" smtClean="0"/>
-              <a:t>11/1/2020</a:t>
+              <a:t>11/4/2020</a:t>
             </a:fld>
             <a:endParaRPr lang="en-US"/>
           </a:p>
@@ -1165,7 +1165,7 @@
           <a:p>
             <a:fld id="{C7704294-5BCF-463B-A5CE-1A01DD03CFF7}" type="datetimeFigureOut">
               <a:rPr lang="en-US" smtClean="0"/>
-              <a:t>11/1/2020</a:t>
+              <a:t>11/4/2020</a:t>
             </a:fld>
             <a:endParaRPr lang="en-US"/>
           </a:p>
@@ -1430,7 +1430,7 @@
             <a:fld id="{C7704294-5BCF-463B-A5CE-1A01DD03CFF7}" type="datetimeFigureOut">
               <a:rPr lang="en-US" smtClean="0"/>
               <a:pPr/>
-              <a:t>11/1/2020</a:t>
+              <a:t>11/4/2020</a:t>
             </a:fld>
             <a:endParaRPr lang="en-US" dirty="0"/>
           </a:p>
@@ -1737,7 +1737,7 @@
           <a:p>
             <a:fld id="{C7704294-5BCF-463B-A5CE-1A01DD03CFF7}" type="datetimeFigureOut">
               <a:rPr lang="en-US" smtClean="0"/>
-              <a:t>11/1/2020</a:t>
+              <a:t>11/4/2020</a:t>
             </a:fld>
             <a:endParaRPr lang="en-US"/>
           </a:p>
@@ -1988,7 +1988,7 @@
           <a:p>
             <a:fld id="{C7704294-5BCF-463B-A5CE-1A01DD03CFF7}" type="datetimeFigureOut">
               <a:rPr lang="en-US" smtClean="0"/>
-              <a:t>11/1/2020</a:t>
+              <a:t>11/4/2020</a:t>
             </a:fld>
             <a:endParaRPr lang="en-US"/>
           </a:p>
@@ -2352,7 +2352,7 @@
           <a:p>
             <a:fld id="{C7704294-5BCF-463B-A5CE-1A01DD03CFF7}" type="datetimeFigureOut">
               <a:rPr lang="en-US" smtClean="0"/>
-              <a:t>11/1/2020</a:t>
+              <a:t>11/4/2020</a:t>
             </a:fld>
             <a:endParaRPr lang="en-US"/>
           </a:p>
@@ -2469,7 +2469,7 @@
           <a:p>
             <a:fld id="{C7704294-5BCF-463B-A5CE-1A01DD03CFF7}" type="datetimeFigureOut">
               <a:rPr lang="en-US" smtClean="0"/>
-              <a:t>11/1/2020</a:t>
+              <a:t>11/4/2020</a:t>
             </a:fld>
             <a:endParaRPr lang="en-US"/>
           </a:p>
@@ -2564,7 +2564,7 @@
           <a:p>
             <a:fld id="{C7704294-5BCF-463B-A5CE-1A01DD03CFF7}" type="datetimeFigureOut">
               <a:rPr lang="en-US" smtClean="0"/>
-              <a:t>11/1/2020</a:t>
+              <a:t>11/4/2020</a:t>
             </a:fld>
             <a:endParaRPr lang="en-US"/>
           </a:p>
@@ -2839,7 +2839,7 @@
           <a:p>
             <a:fld id="{C7704294-5BCF-463B-A5CE-1A01DD03CFF7}" type="datetimeFigureOut">
               <a:rPr lang="en-US" smtClean="0"/>
-              <a:t>11/1/2020</a:t>
+              <a:t>11/4/2020</a:t>
             </a:fld>
             <a:endParaRPr lang="en-US"/>
           </a:p>
@@ -3091,7 +3091,7 @@
           <a:p>
             <a:fld id="{C7704294-5BCF-463B-A5CE-1A01DD03CFF7}" type="datetimeFigureOut">
               <a:rPr lang="en-US" smtClean="0"/>
-              <a:t>11/1/2020</a:t>
+              <a:t>11/4/2020</a:t>
             </a:fld>
             <a:endParaRPr lang="en-US"/>
           </a:p>
@@ -3302,7 +3302,7 @@
           <a:p>
             <a:fld id="{C7704294-5BCF-463B-A5CE-1A01DD03CFF7}" type="datetimeFigureOut">
               <a:rPr lang="en-US" smtClean="0"/>
-              <a:t>11/1/2020</a:t>
+              <a:t>11/4/2020</a:t>
             </a:fld>
             <a:endParaRPr lang="en-US"/>
           </a:p>
@@ -3776,7 +3776,7 @@
         </p:nvSpPr>
         <p:spPr>
           <a:xfrm>
-            <a:off x="436100" y="3429001"/>
+            <a:off x="480487" y="3429001"/>
             <a:ext cx="9144000" cy="397042"/>
           </a:xfrm>
         </p:spPr>
@@ -4434,7 +4434,7 @@
         </p:nvSpPr>
         <p:spPr>
           <a:xfrm>
-            <a:off x="453852" y="4041066"/>
+            <a:off x="480487" y="4070514"/>
             <a:ext cx="9144000" cy="367935"/>
           </a:xfrm>
           <a:prstGeom prst="rect">
@@ -4679,7 +4679,7 @@
 </file>
 
 <file path=ppt/slides/slide10.xml><?xml version="1.0" encoding="utf-8"?>
-<p:sld xmlns:a="http://schemas.openxmlformats.org/drawingml/2006/main" xmlns:r="http://schemas.openxmlformats.org/officeDocument/2006/relationships" xmlns:p="http://schemas.openxmlformats.org/presentationml/2006/main">
+<p:sld xmlns:a="http://schemas.openxmlformats.org/drawingml/2006/main" xmlns:r="http://schemas.openxmlformats.org/officeDocument/2006/relationships" xmlns:p="http://schemas.openxmlformats.org/presentationml/2006/main" show="0">
   <p:cSld>
     <p:spTree>
       <p:nvGrpSpPr>
@@ -5600,7 +5600,7 @@
 </file>
 
 <file path=ppt/slides/slide14.xml><?xml version="1.0" encoding="utf-8"?>
-<p:sld xmlns:a="http://schemas.openxmlformats.org/drawingml/2006/main" xmlns:r="http://schemas.openxmlformats.org/officeDocument/2006/relationships" xmlns:p="http://schemas.openxmlformats.org/presentationml/2006/main">
+<p:sld xmlns:a="http://schemas.openxmlformats.org/drawingml/2006/main" xmlns:r="http://schemas.openxmlformats.org/officeDocument/2006/relationships" xmlns:p="http://schemas.openxmlformats.org/presentationml/2006/main" show="0">
   <p:cSld>
     <p:spTree>
       <p:nvGrpSpPr>
@@ -5959,6 +5959,150 @@
       </p:grpSpPr>
       <p:pic>
         <p:nvPicPr>
+          <p:cNvPr id="5" name="Picture 4" descr="Chart, line chart&#10;&#10;Description automatically generated">
+            <a:extLst>
+              <a:ext uri="{FF2B5EF4-FFF2-40B4-BE49-F238E27FC236}">
+                <a16:creationId xmlns:a16="http://schemas.microsoft.com/office/drawing/2014/main" id="{C9F681EC-8660-47A5-A1D7-D99BE1EBE5B0}"/>
+              </a:ext>
+            </a:extLst>
+          </p:cNvPr>
+          <p:cNvPicPr>
+            <a:picLocks noChangeAspect="1"/>
+          </p:cNvPicPr>
+          <p:nvPr/>
+        </p:nvPicPr>
+        <p:blipFill rotWithShape="1">
+          <a:blip r:embed="rId2">
+            <a:extLst>
+              <a:ext uri="{28A0092B-C50C-407E-A947-70E740481C1C}">
+                <a14:useLocalDpi xmlns:a14="http://schemas.microsoft.com/office/drawing/2010/main" val="0"/>
+              </a:ext>
+            </a:extLst>
+          </a:blip>
+          <a:srcRect l="2817" t="3546" r="16035" b="2513"/>
+          <a:stretch/>
+        </p:blipFill>
+        <p:spPr>
+          <a:xfrm>
+            <a:off x="2987766" y="2479996"/>
+            <a:ext cx="5546635" cy="4378004"/>
+          </a:xfrm>
+          <a:prstGeom prst="rect">
+            <a:avLst/>
+          </a:prstGeom>
+        </p:spPr>
+      </p:pic>
+      <p:sp>
+        <p:nvSpPr>
+          <p:cNvPr id="2" name="Title 1">
+            <a:extLst>
+              <a:ext uri="{FF2B5EF4-FFF2-40B4-BE49-F238E27FC236}">
+                <a16:creationId xmlns:a16="http://schemas.microsoft.com/office/drawing/2014/main" id="{C439D87B-94E3-4F80-9B12-001C49DD04F8}"/>
+              </a:ext>
+            </a:extLst>
+          </p:cNvPr>
+          <p:cNvSpPr>
+            <a:spLocks noGrp="1"/>
+          </p:cNvSpPr>
+          <p:nvPr>
+            <p:ph type="title"/>
+          </p:nvPr>
+        </p:nvSpPr>
+        <p:spPr/>
+        <p:txBody>
+          <a:bodyPr>
+            <a:normAutofit fontScale="90000"/>
+          </a:bodyPr>
+          <a:lstStyle/>
+          <a:p>
+            <a:r>
+              <a:rPr lang="en-US" dirty="0"/>
+              <a:t>Average stars of Restaurants by States</a:t>
+            </a:r>
+          </a:p>
+        </p:txBody>
+      </p:sp>
+      <p:sp>
+        <p:nvSpPr>
+          <p:cNvPr id="3" name="Content Placeholder 2">
+            <a:extLst>
+              <a:ext uri="{FF2B5EF4-FFF2-40B4-BE49-F238E27FC236}">
+                <a16:creationId xmlns:a16="http://schemas.microsoft.com/office/drawing/2014/main" id="{8F66171C-933A-444C-BD7E-0232E4A1BC22}"/>
+              </a:ext>
+            </a:extLst>
+          </p:cNvPr>
+          <p:cNvSpPr>
+            <a:spLocks noGrp="1"/>
+          </p:cNvSpPr>
+          <p:nvPr>
+            <p:ph idx="1"/>
+          </p:nvPr>
+        </p:nvSpPr>
+        <p:spPr/>
+        <p:txBody>
+          <a:bodyPr/>
+          <a:lstStyle/>
+          <a:p>
+            <a:r>
+              <a:rPr lang="en-US" dirty="0"/>
+              <a:t>Average Star Rating ranges from 2.5 to 3.45</a:t>
+            </a:r>
+          </a:p>
+          <a:p>
+            <a:r>
+              <a:rPr lang="en-US" dirty="0"/>
+              <a:t>Wisconsin state has the highest average rating of 3.4549</a:t>
+            </a:r>
+          </a:p>
+          <a:p>
+            <a:r>
+              <a:rPr lang="en-US" dirty="0"/>
+              <a:t>Arkansas state has the lowest average rating of 2.5</a:t>
+            </a:r>
+          </a:p>
+          <a:p>
+            <a:r>
+              <a:rPr lang="en-US" dirty="0"/>
+              <a:t>Illinois and Indiana has ~3.33 as average rating</a:t>
+            </a:r>
+          </a:p>
+          <a:p>
+            <a:endParaRPr lang="en-US" dirty="0"/>
+          </a:p>
+        </p:txBody>
+      </p:sp>
+    </p:spTree>
+    <p:extLst>
+      <p:ext uri="{BB962C8B-B14F-4D97-AF65-F5344CB8AC3E}">
+        <p14:creationId xmlns:p14="http://schemas.microsoft.com/office/powerpoint/2010/main" val="2165223613"/>
+      </p:ext>
+    </p:extLst>
+  </p:cSld>
+  <p:clrMapOvr>
+    <a:masterClrMapping/>
+  </p:clrMapOvr>
+</p:sld>
+</file>
+
+<file path=ppt/slides/slide16.xml><?xml version="1.0" encoding="utf-8"?>
+<p:sld xmlns:a="http://schemas.openxmlformats.org/drawingml/2006/main" xmlns:r="http://schemas.openxmlformats.org/officeDocument/2006/relationships" xmlns:p="http://schemas.openxmlformats.org/presentationml/2006/main">
+  <p:cSld>
+    <p:spTree>
+      <p:nvGrpSpPr>
+        <p:cNvPr id="1" name=""/>
+        <p:cNvGrpSpPr/>
+        <p:nvPr/>
+      </p:nvGrpSpPr>
+      <p:grpSpPr>
+        <a:xfrm>
+          <a:off x="0" y="0"/>
+          <a:ext cx="0" cy="0"/>
+          <a:chOff x="0" y="0"/>
+          <a:chExt cx="0" cy="0"/>
+        </a:xfrm>
+      </p:grpSpPr>
+      <p:pic>
+        <p:nvPicPr>
           <p:cNvPr id="8" name="Picture 7" descr="Chart, bar chart&#10;&#10;Description automatically generated">
             <a:extLst>
               <a:ext uri="{FF2B5EF4-FFF2-40B4-BE49-F238E27FC236}">
@@ -6017,7 +6161,7 @@
           <a:p>
             <a:r>
               <a:rPr lang="en-US" sz="2400" dirty="0"/>
-              <a:t>Top 10 restaurants with highest number of 1 &amp; 5-star reviews in USA</a:t>
+              <a:t>Top 10 restaurants with highest number of 1 &amp; 5-star rating in USA</a:t>
             </a:r>
           </a:p>
         </p:txBody>
@@ -6088,13 +6232,13 @@
           <a:p>
             <a:r>
               <a:rPr lang="en-US" sz="1600" dirty="0"/>
-              <a:t>Within USA, Mon Ami Gabi is the restaurant has highest number of 5-star reviews followed by Bacchanal Buffet. MGM Grand Hotel has the highest number of 1-star reviews followed by Bacchanal Buffet.</a:t>
+              <a:t>Within USA, Mon Ami Gabi restaurant has highest number of 5-star rating followed by Bacchanal Buffet. MGM Grand Hotel has the highest number of 1-star ratings followed by Bacchanal Buffet.</a:t>
             </a:r>
           </a:p>
           <a:p>
             <a:r>
               <a:rPr lang="en-US" sz="1600" dirty="0"/>
-              <a:t>From the above two exploration on review stars, Bacchanal Buffet is the second top restaurant, with both 5-Star and 1-Star reviews. Bacchanal Buffet has a mixed reviews</a:t>
+              <a:t>From the above two explorations on review stars, Bacchanal Buffet is the second top restaurant, with both 5-Star and 1-Star ratings. </a:t>
             </a:r>
           </a:p>
         </p:txBody>
@@ -6103,150 +6247,6 @@
     <p:extLst>
       <p:ext uri="{BB962C8B-B14F-4D97-AF65-F5344CB8AC3E}">
         <p14:creationId xmlns:p14="http://schemas.microsoft.com/office/powerpoint/2010/main" val="1148861284"/>
-      </p:ext>
-    </p:extLst>
-  </p:cSld>
-  <p:clrMapOvr>
-    <a:masterClrMapping/>
-  </p:clrMapOvr>
-</p:sld>
-</file>
-
-<file path=ppt/slides/slide16.xml><?xml version="1.0" encoding="utf-8"?>
-<p:sld xmlns:a="http://schemas.openxmlformats.org/drawingml/2006/main" xmlns:r="http://schemas.openxmlformats.org/officeDocument/2006/relationships" xmlns:p="http://schemas.openxmlformats.org/presentationml/2006/main">
-  <p:cSld>
-    <p:spTree>
-      <p:nvGrpSpPr>
-        <p:cNvPr id="1" name=""/>
-        <p:cNvGrpSpPr/>
-        <p:nvPr/>
-      </p:nvGrpSpPr>
-      <p:grpSpPr>
-        <a:xfrm>
-          <a:off x="0" y="0"/>
-          <a:ext cx="0" cy="0"/>
-          <a:chOff x="0" y="0"/>
-          <a:chExt cx="0" cy="0"/>
-        </a:xfrm>
-      </p:grpSpPr>
-      <p:pic>
-        <p:nvPicPr>
-          <p:cNvPr id="5" name="Picture 4" descr="Chart, line chart&#10;&#10;Description automatically generated">
-            <a:extLst>
-              <a:ext uri="{FF2B5EF4-FFF2-40B4-BE49-F238E27FC236}">
-                <a16:creationId xmlns:a16="http://schemas.microsoft.com/office/drawing/2014/main" id="{C9F681EC-8660-47A5-A1D7-D99BE1EBE5B0}"/>
-              </a:ext>
-            </a:extLst>
-          </p:cNvPr>
-          <p:cNvPicPr>
-            <a:picLocks noChangeAspect="1"/>
-          </p:cNvPicPr>
-          <p:nvPr/>
-        </p:nvPicPr>
-        <p:blipFill rotWithShape="1">
-          <a:blip r:embed="rId2">
-            <a:extLst>
-              <a:ext uri="{28A0092B-C50C-407E-A947-70E740481C1C}">
-                <a14:useLocalDpi xmlns:a14="http://schemas.microsoft.com/office/drawing/2010/main" val="0"/>
-              </a:ext>
-            </a:extLst>
-          </a:blip>
-          <a:srcRect l="2817" t="3546" r="16035" b="2513"/>
-          <a:stretch/>
-        </p:blipFill>
-        <p:spPr>
-          <a:xfrm>
-            <a:off x="2987766" y="2479996"/>
-            <a:ext cx="5546635" cy="4378004"/>
-          </a:xfrm>
-          <a:prstGeom prst="rect">
-            <a:avLst/>
-          </a:prstGeom>
-        </p:spPr>
-      </p:pic>
-      <p:sp>
-        <p:nvSpPr>
-          <p:cNvPr id="2" name="Title 1">
-            <a:extLst>
-              <a:ext uri="{FF2B5EF4-FFF2-40B4-BE49-F238E27FC236}">
-                <a16:creationId xmlns:a16="http://schemas.microsoft.com/office/drawing/2014/main" id="{C439D87B-94E3-4F80-9B12-001C49DD04F8}"/>
-              </a:ext>
-            </a:extLst>
-          </p:cNvPr>
-          <p:cNvSpPr>
-            <a:spLocks noGrp="1"/>
-          </p:cNvSpPr>
-          <p:nvPr>
-            <p:ph type="title"/>
-          </p:nvPr>
-        </p:nvSpPr>
-        <p:spPr/>
-        <p:txBody>
-          <a:bodyPr>
-            <a:normAutofit fontScale="90000"/>
-          </a:bodyPr>
-          <a:lstStyle/>
-          <a:p>
-            <a:r>
-              <a:rPr lang="en-US" dirty="0"/>
-              <a:t>Average stars of Restaurants by States</a:t>
-            </a:r>
-          </a:p>
-        </p:txBody>
-      </p:sp>
-      <p:sp>
-        <p:nvSpPr>
-          <p:cNvPr id="3" name="Content Placeholder 2">
-            <a:extLst>
-              <a:ext uri="{FF2B5EF4-FFF2-40B4-BE49-F238E27FC236}">
-                <a16:creationId xmlns:a16="http://schemas.microsoft.com/office/drawing/2014/main" id="{8F66171C-933A-444C-BD7E-0232E4A1BC22}"/>
-              </a:ext>
-            </a:extLst>
-          </p:cNvPr>
-          <p:cNvSpPr>
-            <a:spLocks noGrp="1"/>
-          </p:cNvSpPr>
-          <p:nvPr>
-            <p:ph idx="1"/>
-          </p:nvPr>
-        </p:nvSpPr>
-        <p:spPr/>
-        <p:txBody>
-          <a:bodyPr/>
-          <a:lstStyle/>
-          <a:p>
-            <a:r>
-              <a:rPr lang="en-US" dirty="0"/>
-              <a:t>Average Star Rating ranges from 2.5 to 3.45</a:t>
-            </a:r>
-          </a:p>
-          <a:p>
-            <a:r>
-              <a:rPr lang="en-US" dirty="0"/>
-              <a:t>Wisconsin state has the highest average rating of 3.4549</a:t>
-            </a:r>
-          </a:p>
-          <a:p>
-            <a:r>
-              <a:rPr lang="en-US" dirty="0"/>
-              <a:t>Arkansas state has the lowest average rating of 2.5</a:t>
-            </a:r>
-          </a:p>
-          <a:p>
-            <a:r>
-              <a:rPr lang="en-US" dirty="0"/>
-              <a:t>Illinois and Indiana has ~3.33 as average rating</a:t>
-            </a:r>
-          </a:p>
-          <a:p>
-            <a:endParaRPr lang="en-US" dirty="0"/>
-          </a:p>
-        </p:txBody>
-      </p:sp>
-    </p:spTree>
-    <p:extLst>
-      <p:ext uri="{BB962C8B-B14F-4D97-AF65-F5344CB8AC3E}">
-        <p14:creationId xmlns:p14="http://schemas.microsoft.com/office/powerpoint/2010/main" val="2165223613"/>
       </p:ext>
     </p:extLst>
   </p:cSld>
@@ -6424,7 +6424,7 @@
         <p:spPr>
           <a:xfrm>
             <a:off x="645695" y="1005418"/>
-            <a:ext cx="10976810" cy="2423582"/>
+            <a:ext cx="10976810" cy="1338287"/>
           </a:xfrm>
           <a:prstGeom prst="rect">
             <a:avLst/>
@@ -6432,7 +6432,7 @@
         </p:spPr>
         <p:txBody>
           <a:bodyPr vert="horz" lIns="91440" tIns="45720" rIns="91440" bIns="45720" rtlCol="0">
-            <a:normAutofit lnSpcReduction="10000"/>
+            <a:normAutofit/>
           </a:bodyPr>
           <a:lstStyle>
             <a:lvl1pPr marL="228600" indent="-228600" algn="l" defTabSz="914400" rtl="0" eaLnBrk="1" latinLnBrk="0" hangingPunct="1">
@@ -6611,37 +6611,13 @@
           <a:p>
             <a:r>
               <a:rPr lang="en-US" dirty="0"/>
-              <a:t>Hash House A Go-Go restaurant have received highest number of reviews that are tagged as 'useful'.</a:t>
+              <a:t>McDonald's restaurant have received highest number of reviews that are tagged as ‘Funny'.</a:t>
             </a:r>
           </a:p>
           <a:p>
             <a:r>
               <a:rPr lang="en-US" dirty="0"/>
-              <a:t>Mon Ami Gabi restaurant has got the highest 5-star ratings; however the reviews are not tagged as useful</a:t>
-            </a:r>
-          </a:p>
-          <a:p>
-            <a:r>
-              <a:rPr lang="en-US" dirty="0"/>
-              <a:t>Hash House A Go-Go restaurant have received highest number of reviews that are tagged as 'cool'</a:t>
-            </a:r>
-          </a:p>
-          <a:p>
-            <a:r>
-              <a:rPr lang="en-US" dirty="0"/>
-              <a:t>McDonald's restaurant have received highest number of reviews that are tagged as 'funny'.</a:t>
-            </a:r>
-          </a:p>
-          <a:p>
-            <a:r>
-              <a:rPr lang="en-US" dirty="0"/>
-              <a:t>Overall Hash House A Go-Go restaurant's reviews are tagged as Useful, Cool as well as Funny.</a:t>
-            </a:r>
-          </a:p>
-          <a:p>
-            <a:r>
-              <a:rPr lang="en-US" dirty="0"/>
-              <a:t>No relation between 5-star rating and a review getting tagged as Useful or Cool or Funny.</a:t>
+              <a:t>Overall Hash House A Go-Go restaurant has received highest number of reviews that are tagged as Useful, Cool.</a:t>
             </a:r>
           </a:p>
           <a:p>
@@ -6663,7 +6639,7 @@
 </file>
 
 <file path=ppt/slides/slide18.xml><?xml version="1.0" encoding="utf-8"?>
-<p:sld xmlns:a="http://schemas.openxmlformats.org/drawingml/2006/main" xmlns:r="http://schemas.openxmlformats.org/officeDocument/2006/relationships" xmlns:p="http://schemas.openxmlformats.org/presentationml/2006/main">
+<p:sld xmlns:a="http://schemas.openxmlformats.org/drawingml/2006/main" xmlns:r="http://schemas.openxmlformats.org/officeDocument/2006/relationships" xmlns:p="http://schemas.openxmlformats.org/presentationml/2006/main" show="0">
   <p:cSld>
     <p:spTree>
       <p:nvGrpSpPr>
@@ -6910,7 +6886,7 @@
 </file>
 
 <file path=ppt/slides/slide19.xml><?xml version="1.0" encoding="utf-8"?>
-<p:sld xmlns:a="http://schemas.openxmlformats.org/drawingml/2006/main" xmlns:r="http://schemas.openxmlformats.org/officeDocument/2006/relationships" xmlns:p="http://schemas.openxmlformats.org/presentationml/2006/main">
+<p:sld xmlns:a="http://schemas.openxmlformats.org/drawingml/2006/main" xmlns:r="http://schemas.openxmlformats.org/officeDocument/2006/relationships" xmlns:p="http://schemas.openxmlformats.org/presentationml/2006/main" show="0">
   <p:cSld>
     <p:spTree>
       <p:nvGrpSpPr>
@@ -7366,7 +7342,7 @@
           <a:p>
             <a:r>
               <a:rPr lang="en-US" dirty="0"/>
-              <a:t>Problem</a:t>
+              <a:t>Project Overview/Problem</a:t>
             </a:r>
           </a:p>
           <a:p>
@@ -11664,7 +11640,7 @@
 </file>
 
 <file path=ppt/slides/slide26.xml><?xml version="1.0" encoding="utf-8"?>
-<p:sld xmlns:a="http://schemas.openxmlformats.org/drawingml/2006/main" xmlns:r="http://schemas.openxmlformats.org/officeDocument/2006/relationships" xmlns:p="http://schemas.openxmlformats.org/presentationml/2006/main">
+<p:sld xmlns:a="http://schemas.openxmlformats.org/drawingml/2006/main" xmlns:r="http://schemas.openxmlformats.org/officeDocument/2006/relationships" xmlns:p="http://schemas.openxmlformats.org/presentationml/2006/main" show="0">
   <p:cSld>
     <p:spTree>
       <p:nvGrpSpPr>
@@ -11812,7 +11788,7 @@
 </file>
 
 <file path=ppt/slides/slide3.xml><?xml version="1.0" encoding="utf-8"?>
-<p:sld xmlns:a="http://schemas.openxmlformats.org/drawingml/2006/main" xmlns:r="http://schemas.openxmlformats.org/officeDocument/2006/relationships" xmlns:p="http://schemas.openxmlformats.org/presentationml/2006/main">
+<p:sld xmlns:a="http://schemas.openxmlformats.org/drawingml/2006/main" xmlns:r="http://schemas.openxmlformats.org/officeDocument/2006/relationships" xmlns:p="http://schemas.openxmlformats.org/presentationml/2006/main" show="0">
   <p:cSld>
     <p:spTree>
       <p:nvGrpSpPr>
@@ -11879,7 +11855,14 @@
           <a:bodyPr/>
           <a:lstStyle/>
           <a:p>
-            <a:endParaRPr lang="en-US"/>
+            <a:pPr marL="0" indent="0" algn="ctr">
+              <a:buNone/>
+            </a:pPr>
+            <a:r>
+              <a:rPr lang="en-US" sz="3200" b="1" dirty="0"/>
+              <a:t> </a:t>
+            </a:r>
+            <a:endParaRPr lang="en-US" dirty="0"/>
           </a:p>
         </p:txBody>
       </p:sp>
@@ -11945,10 +11928,10 @@
       </p:sp>
       <p:sp>
         <p:nvSpPr>
-          <p:cNvPr id="3" name="Content Placeholder 2">
+          <p:cNvPr id="6" name="Content Placeholder 5">
             <a:extLst>
               <a:ext uri="{FF2B5EF4-FFF2-40B4-BE49-F238E27FC236}">
-                <a16:creationId xmlns:a16="http://schemas.microsoft.com/office/drawing/2014/main" id="{4F4E8564-BCF4-4B8F-818D-F5EE9B659922}"/>
+                <a16:creationId xmlns:a16="http://schemas.microsoft.com/office/drawing/2014/main" id="{0CB88DA2-0706-47B4-88EC-9B13B7752928}"/>
               </a:ext>
             </a:extLst>
           </p:cNvPr>
@@ -11964,7 +11947,31 @@
           <a:bodyPr/>
           <a:lstStyle/>
           <a:p>
-            <a:endParaRPr lang="en-US"/>
+            <a:pPr marL="0" indent="0" algn="ctr">
+              <a:buNone/>
+            </a:pPr>
+            <a:r>
+              <a:rPr lang="en-US" sz="3200" b="1" dirty="0"/>
+              <a:t>Problem Statement </a:t>
+            </a:r>
+          </a:p>
+          <a:p>
+            <a:pPr marL="0" indent="0">
+              <a:buNone/>
+            </a:pPr>
+            <a:endParaRPr lang="en-US" dirty="0"/>
+          </a:p>
+          <a:p>
+            <a:pPr marL="0" indent="0" algn="ctr">
+              <a:buNone/>
+            </a:pPr>
+            <a:r>
+              <a:rPr lang="en-US" dirty="0"/>
+              <a:t>With available facilities/features for a business we will predict the review that we might get for any business we are going to start . Build a model to suggest the parameters which helps to improve the review of any business. </a:t>
+            </a:r>
+          </a:p>
+          <a:p>
+            <a:endParaRPr lang="en-US" dirty="0"/>
           </a:p>
         </p:txBody>
       </p:sp>
@@ -12030,10 +12037,10 @@
       </p:sp>
       <p:sp>
         <p:nvSpPr>
-          <p:cNvPr id="3" name="Content Placeholder 2">
+          <p:cNvPr id="5" name="Content Placeholder 4">
             <a:extLst>
               <a:ext uri="{FF2B5EF4-FFF2-40B4-BE49-F238E27FC236}">
-                <a16:creationId xmlns:a16="http://schemas.microsoft.com/office/drawing/2014/main" id="{EF691408-9E67-4EE7-8493-95F88C23DBAF}"/>
+                <a16:creationId xmlns:a16="http://schemas.microsoft.com/office/drawing/2014/main" id="{580B8649-B565-4719-8593-36918274046F}"/>
               </a:ext>
             </a:extLst>
           </p:cNvPr>
@@ -12044,15 +12051,1484 @@
             <p:ph idx="1"/>
           </p:nvPr>
         </p:nvSpPr>
-        <p:spPr/>
+        <p:spPr>
+          <a:xfrm>
+            <a:off x="838200" y="1077607"/>
+            <a:ext cx="4124417" cy="5234416"/>
+          </a:xfrm>
+        </p:spPr>
         <p:txBody>
-          <a:bodyPr/>
+          <a:bodyPr>
+            <a:normAutofit fontScale="92500" lnSpcReduction="20000"/>
+          </a:bodyPr>
           <a:lstStyle/>
           <a:p>
-            <a:endParaRPr lang="en-US"/>
+            <a:pPr marL="0" indent="0">
+              <a:buNone/>
+            </a:pPr>
+            <a:r>
+              <a:rPr lang="en-US" b="1" dirty="0"/>
+              <a:t>Business Data  - Important features</a:t>
+            </a:r>
+          </a:p>
+          <a:p>
+            <a:pPr lvl="1">
+              <a:buFont typeface="Wingdings" panose="05000000000000000000" pitchFamily="2" charset="2"/>
+              <a:buChar char="v"/>
+            </a:pPr>
+            <a:r>
+              <a:rPr lang="en-US" dirty="0"/>
+              <a:t>Business ID and Name</a:t>
+            </a:r>
+          </a:p>
+          <a:p>
+            <a:pPr lvl="1">
+              <a:buFont typeface="Wingdings" panose="05000000000000000000" pitchFamily="2" charset="2"/>
+              <a:buChar char="v"/>
+            </a:pPr>
+            <a:r>
+              <a:rPr lang="en-US" dirty="0"/>
+              <a:t>Categories </a:t>
+            </a:r>
+          </a:p>
+          <a:p>
+            <a:pPr lvl="1">
+              <a:buFont typeface="Wingdings" panose="05000000000000000000" pitchFamily="2" charset="2"/>
+              <a:buChar char="v"/>
+            </a:pPr>
+            <a:r>
+              <a:rPr lang="en-US" dirty="0"/>
+              <a:t>Geographical Area of Business (Latitude and Longitude) </a:t>
+            </a:r>
+          </a:p>
+          <a:p>
+            <a:pPr lvl="1">
+              <a:buFont typeface="Wingdings" panose="05000000000000000000" pitchFamily="2" charset="2"/>
+              <a:buChar char="v"/>
+            </a:pPr>
+            <a:r>
+              <a:rPr lang="en-US" dirty="0"/>
+              <a:t>Address  and State</a:t>
+            </a:r>
+          </a:p>
+          <a:p>
+            <a:pPr lvl="1">
+              <a:buFont typeface="Wingdings" panose="05000000000000000000" pitchFamily="2" charset="2"/>
+              <a:buChar char="v"/>
+            </a:pPr>
+            <a:r>
+              <a:rPr lang="en-US" dirty="0"/>
+              <a:t>Bit Coin</a:t>
+            </a:r>
+          </a:p>
+          <a:p>
+            <a:pPr lvl="1">
+              <a:buFont typeface="Wingdings" panose="05000000000000000000" pitchFamily="2" charset="2"/>
+              <a:buChar char="v"/>
+            </a:pPr>
+            <a:r>
+              <a:rPr lang="en-US" dirty="0"/>
+              <a:t>Credit Card </a:t>
+            </a:r>
+          </a:p>
+          <a:p>
+            <a:pPr lvl="1">
+              <a:buFont typeface="Wingdings" panose="05000000000000000000" pitchFamily="2" charset="2"/>
+              <a:buChar char="v"/>
+            </a:pPr>
+            <a:r>
+              <a:rPr lang="en-US" dirty="0"/>
+              <a:t>Counter Service </a:t>
+            </a:r>
+          </a:p>
+          <a:p>
+            <a:pPr lvl="1">
+              <a:buFont typeface="Wingdings" panose="05000000000000000000" pitchFamily="2" charset="2"/>
+              <a:buChar char="v"/>
+            </a:pPr>
+            <a:r>
+              <a:rPr lang="en-US" dirty="0"/>
+              <a:t>Parking Lot</a:t>
+            </a:r>
+          </a:p>
+          <a:p>
+            <a:pPr lvl="1">
+              <a:buFont typeface="Wingdings" panose="05000000000000000000" pitchFamily="2" charset="2"/>
+              <a:buChar char="v"/>
+            </a:pPr>
+            <a:r>
+              <a:rPr lang="en-US" dirty="0"/>
+              <a:t>Hours Of Operation</a:t>
+            </a:r>
+          </a:p>
+          <a:p>
+            <a:pPr lvl="1">
+              <a:buFont typeface="Wingdings" panose="05000000000000000000" pitchFamily="2" charset="2"/>
+              <a:buChar char="v"/>
+            </a:pPr>
+            <a:r>
+              <a:rPr lang="en-US" dirty="0"/>
+              <a:t>Review Stars</a:t>
+            </a:r>
+          </a:p>
+          <a:p>
+            <a:pPr marL="0" indent="0">
+              <a:buNone/>
+            </a:pPr>
+            <a:r>
+              <a:rPr lang="en-US" b="1" dirty="0"/>
+              <a:t>Reviews Data - Important features</a:t>
+            </a:r>
+          </a:p>
+          <a:p>
+            <a:pPr lvl="1">
+              <a:buFont typeface="Wingdings" panose="05000000000000000000" pitchFamily="2" charset="2"/>
+              <a:buChar char="v"/>
+            </a:pPr>
+            <a:r>
+              <a:rPr lang="en-US" dirty="0"/>
+              <a:t>Review ID</a:t>
+            </a:r>
+          </a:p>
+          <a:p>
+            <a:pPr lvl="1">
+              <a:buFont typeface="Wingdings" panose="05000000000000000000" pitchFamily="2" charset="2"/>
+              <a:buChar char="v"/>
+            </a:pPr>
+            <a:r>
+              <a:rPr lang="en-US" dirty="0"/>
+              <a:t>User ID</a:t>
+            </a:r>
+          </a:p>
+          <a:p>
+            <a:pPr lvl="1">
+              <a:buFont typeface="Wingdings" panose="05000000000000000000" pitchFamily="2" charset="2"/>
+              <a:buChar char="v"/>
+            </a:pPr>
+            <a:r>
+              <a:rPr lang="en-US" dirty="0"/>
+              <a:t>Business Reviewed </a:t>
+            </a:r>
+          </a:p>
+          <a:p>
+            <a:pPr lvl="1">
+              <a:buFont typeface="Wingdings" panose="05000000000000000000" pitchFamily="2" charset="2"/>
+              <a:buChar char="v"/>
+            </a:pPr>
+            <a:r>
+              <a:rPr lang="en-US" dirty="0"/>
+              <a:t>Review Text</a:t>
+            </a:r>
+          </a:p>
+          <a:p>
+            <a:pPr lvl="1">
+              <a:buFont typeface="Wingdings" panose="05000000000000000000" pitchFamily="2" charset="2"/>
+              <a:buChar char="v"/>
+            </a:pPr>
+            <a:r>
+              <a:rPr lang="en-US" dirty="0"/>
+              <a:t>Useful</a:t>
+            </a:r>
+          </a:p>
+          <a:p>
+            <a:pPr lvl="1">
+              <a:buFont typeface="Wingdings" panose="05000000000000000000" pitchFamily="2" charset="2"/>
+              <a:buChar char="v"/>
+            </a:pPr>
+            <a:r>
+              <a:rPr lang="en-US" dirty="0"/>
+              <a:t>Cool</a:t>
+            </a:r>
+          </a:p>
+          <a:p>
+            <a:pPr lvl="1">
+              <a:buFont typeface="Wingdings" panose="05000000000000000000" pitchFamily="2" charset="2"/>
+              <a:buChar char="v"/>
+            </a:pPr>
+            <a:r>
+              <a:rPr lang="en-US" dirty="0"/>
+              <a:t>Funny</a:t>
+            </a:r>
+          </a:p>
+          <a:p>
+            <a:pPr lvl="1">
+              <a:buFont typeface="Wingdings" panose="05000000000000000000" pitchFamily="2" charset="2"/>
+              <a:buChar char="v"/>
+            </a:pPr>
+            <a:r>
+              <a:rPr lang="en-US" dirty="0"/>
+              <a:t>Review Stars</a:t>
+            </a:r>
+          </a:p>
+          <a:p>
+            <a:endParaRPr lang="en-US" dirty="0"/>
+          </a:p>
+          <a:p>
+            <a:endParaRPr lang="en-US" dirty="0"/>
           </a:p>
         </p:txBody>
       </p:sp>
+      <p:sp>
+        <p:nvSpPr>
+          <p:cNvPr id="7" name="Rectangle 6">
+            <a:extLst>
+              <a:ext uri="{FF2B5EF4-FFF2-40B4-BE49-F238E27FC236}">
+                <a16:creationId xmlns:a16="http://schemas.microsoft.com/office/drawing/2014/main" id="{25840EA5-1296-4C52-8E18-FF83E4780DD0}"/>
+              </a:ext>
+            </a:extLst>
+          </p:cNvPr>
+          <p:cNvSpPr/>
+          <p:nvPr/>
+        </p:nvSpPr>
+        <p:spPr>
+          <a:xfrm>
+            <a:off x="5184559" y="1012054"/>
+            <a:ext cx="6525088" cy="3908762"/>
+          </a:xfrm>
+          <a:prstGeom prst="rect">
+            <a:avLst/>
+          </a:prstGeom>
+        </p:spPr>
+        <p:txBody>
+          <a:bodyPr wrap="square">
+            <a:spAutoFit/>
+          </a:bodyPr>
+          <a:lstStyle/>
+          <a:p>
+            <a:r>
+              <a:rPr lang="en-US" sz="1700" b="1" dirty="0">
+                <a:solidFill>
+                  <a:schemeClr val="bg2">
+                    <a:lumMod val="25000"/>
+                  </a:schemeClr>
+                </a:solidFill>
+                <a:latin typeface="Arial" panose="020B0604020202020204" pitchFamily="34" charset="0"/>
+                <a:cs typeface="Arial" panose="020B0604020202020204" pitchFamily="34" charset="0"/>
+              </a:rPr>
+              <a:t>Hive Tables And Partitions created</a:t>
+            </a:r>
+          </a:p>
+          <a:p>
+            <a:endParaRPr lang="en-US" sz="1700" b="1" dirty="0">
+              <a:solidFill>
+                <a:schemeClr val="bg2">
+                  <a:lumMod val="25000"/>
+                </a:schemeClr>
+              </a:solidFill>
+              <a:latin typeface="Arial" panose="020B0604020202020204" pitchFamily="34" charset="0"/>
+              <a:cs typeface="Arial" panose="020B0604020202020204" pitchFamily="34" charset="0"/>
+            </a:endParaRPr>
+          </a:p>
+          <a:p>
+            <a:r>
+              <a:rPr lang="en-US" sz="1700" b="1" dirty="0">
+                <a:solidFill>
+                  <a:schemeClr val="bg2">
+                    <a:lumMod val="25000"/>
+                  </a:schemeClr>
+                </a:solidFill>
+                <a:latin typeface="Arial" panose="020B0604020202020204" pitchFamily="34" charset="0"/>
+                <a:cs typeface="Arial" panose="020B0604020202020204" pitchFamily="34" charset="0"/>
+              </a:rPr>
+              <a:t>YELP_BUSINESS_GP5 </a:t>
+            </a:r>
+          </a:p>
+          <a:p>
+            <a:pPr marL="742950" lvl="1" indent="-285750">
+              <a:buFont typeface="Wingdings" panose="05000000000000000000" pitchFamily="2" charset="2"/>
+              <a:buChar char="v"/>
+            </a:pPr>
+            <a:r>
+              <a:rPr lang="en-US" sz="1400" dirty="0">
+                <a:solidFill>
+                  <a:schemeClr val="bg2">
+                    <a:lumMod val="25000"/>
+                  </a:schemeClr>
+                </a:solidFill>
+                <a:latin typeface="Arial" panose="020B0604020202020204" pitchFamily="34" charset="0"/>
+                <a:cs typeface="Arial" panose="020B0604020202020204" pitchFamily="34" charset="0"/>
+              </a:rPr>
+              <a:t>Total number of Business present in the table              :   174,558</a:t>
+            </a:r>
+          </a:p>
+          <a:p>
+            <a:pPr marL="742950" lvl="1" indent="-285750">
+              <a:buFont typeface="Wingdings" panose="05000000000000000000" pitchFamily="2" charset="2"/>
+              <a:buChar char="v"/>
+            </a:pPr>
+            <a:r>
+              <a:rPr lang="en-US" sz="1400" dirty="0">
+                <a:solidFill>
+                  <a:schemeClr val="bg2">
+                    <a:lumMod val="25000"/>
+                  </a:schemeClr>
+                </a:solidFill>
+                <a:latin typeface="Arial" panose="020B0604020202020204" pitchFamily="34" charset="0"/>
+                <a:cs typeface="Arial" panose="020B0604020202020204" pitchFamily="34" charset="0"/>
+              </a:rPr>
+              <a:t>Total number of unique Business present in the table   :   172,336</a:t>
+            </a:r>
+          </a:p>
+          <a:p>
+            <a:pPr marL="742950" lvl="1" indent="-285750">
+              <a:buFont typeface="Wingdings" panose="05000000000000000000" pitchFamily="2" charset="2"/>
+              <a:buChar char="v"/>
+            </a:pPr>
+            <a:r>
+              <a:rPr lang="en-US" sz="1400" dirty="0">
+                <a:solidFill>
+                  <a:schemeClr val="bg2">
+                    <a:lumMod val="25000"/>
+                  </a:schemeClr>
+                </a:solidFill>
+                <a:latin typeface="Arial" panose="020B0604020202020204" pitchFamily="34" charset="0"/>
+                <a:cs typeface="Arial" panose="020B0604020202020204" pitchFamily="34" charset="0"/>
+              </a:rPr>
+              <a:t>Total number of business that has reviews                    :   172,326</a:t>
+            </a:r>
+          </a:p>
+          <a:p>
+            <a:pPr marL="742950" lvl="1" indent="-285750">
+              <a:buFont typeface="Wingdings" panose="05000000000000000000" pitchFamily="2" charset="2"/>
+              <a:buChar char="v"/>
+            </a:pPr>
+            <a:r>
+              <a:rPr lang="en-US" sz="1400" dirty="0">
+                <a:solidFill>
+                  <a:schemeClr val="bg2">
+                    <a:lumMod val="25000"/>
+                  </a:schemeClr>
+                </a:solidFill>
+                <a:latin typeface="Arial" panose="020B0604020202020204" pitchFamily="34" charset="0"/>
+                <a:cs typeface="Arial" panose="020B0604020202020204" pitchFamily="34" charset="0"/>
+              </a:rPr>
+              <a:t>Total Number of Business has no reviews yet                :       2,242</a:t>
+            </a:r>
+          </a:p>
+          <a:p>
+            <a:r>
+              <a:rPr lang="en-US" sz="1700" b="1" dirty="0">
+                <a:solidFill>
+                  <a:schemeClr val="bg2">
+                    <a:lumMod val="25000"/>
+                  </a:schemeClr>
+                </a:solidFill>
+                <a:latin typeface="Arial" panose="020B0604020202020204" pitchFamily="34" charset="0"/>
+                <a:cs typeface="Arial" panose="020B0604020202020204" pitchFamily="34" charset="0"/>
+              </a:rPr>
+              <a:t> </a:t>
+            </a:r>
+          </a:p>
+          <a:p>
+            <a:r>
+              <a:rPr lang="en-US" sz="1700" b="1" dirty="0">
+                <a:solidFill>
+                  <a:schemeClr val="bg2">
+                    <a:lumMod val="25000"/>
+                  </a:schemeClr>
+                </a:solidFill>
+                <a:latin typeface="Arial" panose="020B0604020202020204" pitchFamily="34" charset="0"/>
+                <a:cs typeface="Arial" panose="020B0604020202020204" pitchFamily="34" charset="0"/>
+              </a:rPr>
+              <a:t>YELP_REVIEWS_GP5</a:t>
+            </a:r>
+          </a:p>
+          <a:p>
+            <a:pPr marL="742950" lvl="1" indent="-285750">
+              <a:buFont typeface="Wingdings" panose="05000000000000000000" pitchFamily="2" charset="2"/>
+              <a:buChar char="v"/>
+            </a:pPr>
+            <a:r>
+              <a:rPr lang="en-US" sz="1400" dirty="0">
+                <a:solidFill>
+                  <a:schemeClr val="bg2">
+                    <a:lumMod val="25000"/>
+                  </a:schemeClr>
+                </a:solidFill>
+                <a:latin typeface="Arial" panose="020B0604020202020204" pitchFamily="34" charset="0"/>
+                <a:cs typeface="Arial" panose="020B0604020202020204" pitchFamily="34" charset="0"/>
+              </a:rPr>
+              <a:t>Total number of Reviews                                        : 5,442,102</a:t>
+            </a:r>
+          </a:p>
+          <a:p>
+            <a:pPr marL="742950" lvl="1" indent="-285750">
+              <a:buFont typeface="Wingdings" panose="05000000000000000000" pitchFamily="2" charset="2"/>
+              <a:buChar char="v"/>
+            </a:pPr>
+            <a:r>
+              <a:rPr lang="en-US" sz="1400" dirty="0">
+                <a:solidFill>
+                  <a:schemeClr val="bg2">
+                    <a:lumMod val="25000"/>
+                  </a:schemeClr>
+                </a:solidFill>
+                <a:latin typeface="Arial" panose="020B0604020202020204" pitchFamily="34" charset="0"/>
+                <a:cs typeface="Arial" panose="020B0604020202020204" pitchFamily="34" charset="0"/>
+              </a:rPr>
+              <a:t>Total number of unique Business being reviewed  :   289,655</a:t>
+            </a:r>
+          </a:p>
+          <a:p>
+            <a:pPr marL="742950" lvl="1" indent="-285750">
+              <a:buFont typeface="Wingdings" panose="05000000000000000000" pitchFamily="2" charset="2"/>
+              <a:buChar char="v"/>
+            </a:pPr>
+            <a:r>
+              <a:rPr lang="en-US" sz="1400" dirty="0">
+                <a:solidFill>
+                  <a:schemeClr val="bg2">
+                    <a:lumMod val="25000"/>
+                  </a:schemeClr>
+                </a:solidFill>
+                <a:latin typeface="Arial" panose="020B0604020202020204" pitchFamily="34" charset="0"/>
+                <a:cs typeface="Arial" panose="020B0604020202020204" pitchFamily="34" charset="0"/>
+              </a:rPr>
+              <a:t>Total number of unique users provided reviews     :  1,358,199 </a:t>
+            </a:r>
+          </a:p>
+          <a:p>
+            <a:r>
+              <a:rPr lang="en-US" sz="1400" dirty="0">
+                <a:solidFill>
+                  <a:schemeClr val="bg2">
+                    <a:lumMod val="25000"/>
+                  </a:schemeClr>
+                </a:solidFill>
+                <a:latin typeface="Arial" panose="020B0604020202020204" pitchFamily="34" charset="0"/>
+                <a:cs typeface="Arial" panose="020B0604020202020204" pitchFamily="34" charset="0"/>
+              </a:rPr>
+              <a:t> </a:t>
+            </a:r>
+          </a:p>
+          <a:p>
+            <a:r>
+              <a:rPr lang="en-US" sz="1700" b="1" dirty="0">
+                <a:solidFill>
+                  <a:schemeClr val="bg2">
+                    <a:lumMod val="25000"/>
+                  </a:schemeClr>
+                </a:solidFill>
+                <a:latin typeface="Arial" panose="020B0604020202020204" pitchFamily="34" charset="0"/>
+                <a:cs typeface="Arial" panose="020B0604020202020204" pitchFamily="34" charset="0"/>
+              </a:rPr>
+              <a:t>Partition  Created : YELP_BUSINESS_GP5_COUNTRY_CAT</a:t>
+            </a:r>
+          </a:p>
+          <a:p>
+            <a:endParaRPr lang="en-US" sz="1700" b="1" dirty="0">
+              <a:solidFill>
+                <a:schemeClr val="bg2">
+                  <a:lumMod val="25000"/>
+                </a:schemeClr>
+              </a:solidFill>
+              <a:latin typeface="Arial" panose="020B0604020202020204" pitchFamily="34" charset="0"/>
+              <a:cs typeface="Arial" panose="020B0604020202020204" pitchFamily="34" charset="0"/>
+            </a:endParaRPr>
+          </a:p>
+          <a:p>
+            <a:endParaRPr lang="en-US" sz="1700" b="1" dirty="0">
+              <a:solidFill>
+                <a:schemeClr val="bg2">
+                  <a:lumMod val="25000"/>
+                </a:schemeClr>
+              </a:solidFill>
+              <a:latin typeface="Arial" panose="020B0604020202020204" pitchFamily="34" charset="0"/>
+              <a:cs typeface="Arial" panose="020B0604020202020204" pitchFamily="34" charset="0"/>
+            </a:endParaRPr>
+          </a:p>
+        </p:txBody>
+      </p:sp>
+      <p:graphicFrame>
+        <p:nvGraphicFramePr>
+          <p:cNvPr id="9" name="Table 8">
+            <a:extLst>
+              <a:ext uri="{FF2B5EF4-FFF2-40B4-BE49-F238E27FC236}">
+                <a16:creationId xmlns:a16="http://schemas.microsoft.com/office/drawing/2014/main" id="{B024A2B6-90AD-43B2-9FAA-5B61B3BA0881}"/>
+              </a:ext>
+            </a:extLst>
+          </p:cNvPr>
+          <p:cNvGraphicFramePr>
+            <a:graphicFrameLocks noGrp="1"/>
+          </p:cNvGraphicFramePr>
+          <p:nvPr>
+            <p:extLst>
+              <p:ext uri="{D42A27DB-BD31-4B8C-83A1-F6EECF244321}">
+                <p14:modId xmlns:p14="http://schemas.microsoft.com/office/powerpoint/2010/main" val="1179857298"/>
+              </p:ext>
+            </p:extLst>
+          </p:nvPr>
+        </p:nvGraphicFramePr>
+        <p:xfrm>
+          <a:off x="6454066" y="4353723"/>
+          <a:ext cx="3133817" cy="1505545"/>
+        </p:xfrm>
+        <a:graphic>
+          <a:graphicData uri="http://schemas.openxmlformats.org/drawingml/2006/table">
+            <a:tbl>
+              <a:tblPr/>
+              <a:tblGrid>
+                <a:gridCol w="875164">
+                  <a:extLst>
+                    <a:ext uri="{9D8B030D-6E8A-4147-A177-3AD203B41FA5}">
+                      <a16:colId xmlns:a16="http://schemas.microsoft.com/office/drawing/2014/main" val="1673536860"/>
+                    </a:ext>
+                  </a:extLst>
+                </a:gridCol>
+                <a:gridCol w="1384336">
+                  <a:extLst>
+                    <a:ext uri="{9D8B030D-6E8A-4147-A177-3AD203B41FA5}">
+                      <a16:colId xmlns:a16="http://schemas.microsoft.com/office/drawing/2014/main" val="1108254660"/>
+                    </a:ext>
+                  </a:extLst>
+                </a:gridCol>
+                <a:gridCol w="874317">
+                  <a:extLst>
+                    <a:ext uri="{9D8B030D-6E8A-4147-A177-3AD203B41FA5}">
+                      <a16:colId xmlns:a16="http://schemas.microsoft.com/office/drawing/2014/main" val="3111690976"/>
+                    </a:ext>
+                  </a:extLst>
+                </a:gridCol>
+              </a:tblGrid>
+              <a:tr h="301109">
+                <a:tc>
+                  <a:txBody>
+                    <a:bodyPr/>
+                    <a:lstStyle/>
+                    <a:p>
+                      <a:pPr algn="l" fontAlgn="b"/>
+                      <a:r>
+                        <a:rPr lang="en-US" sz="1400" b="1" kern="1200" dirty="0">
+                          <a:solidFill>
+                            <a:schemeClr val="bg2">
+                              <a:lumMod val="25000"/>
+                            </a:schemeClr>
+                          </a:solidFill>
+                          <a:latin typeface="Arial" panose="020B0604020202020204" pitchFamily="34" charset="0"/>
+                          <a:ea typeface="+mn-ea"/>
+                          <a:cs typeface="Arial" panose="020B0604020202020204" pitchFamily="34" charset="0"/>
+                        </a:rPr>
+                        <a:t>Region</a:t>
+                      </a:r>
+                    </a:p>
+                  </a:txBody>
+                  <a:tcPr marL="7620" marR="7620" marT="7620" marB="0" anchor="b">
+                    <a:lnL w="6350" cap="flat" cmpd="sng" algn="ctr">
+                      <a:solidFill>
+                        <a:srgbClr val="000000"/>
+                      </a:solidFill>
+                      <a:prstDash val="solid"/>
+                      <a:round/>
+                      <a:headEnd type="none" w="med" len="med"/>
+                      <a:tailEnd type="none" w="med" len="med"/>
+                    </a:lnL>
+                    <a:lnR w="6350" cap="flat" cmpd="sng" algn="ctr">
+                      <a:solidFill>
+                        <a:srgbClr val="000000"/>
+                      </a:solidFill>
+                      <a:prstDash val="solid"/>
+                      <a:round/>
+                      <a:headEnd type="none" w="med" len="med"/>
+                      <a:tailEnd type="none" w="med" len="med"/>
+                    </a:lnR>
+                    <a:lnT w="6350" cap="flat" cmpd="sng" algn="ctr">
+                      <a:solidFill>
+                        <a:srgbClr val="000000"/>
+                      </a:solidFill>
+                      <a:prstDash val="solid"/>
+                      <a:round/>
+                      <a:headEnd type="none" w="med" len="med"/>
+                      <a:tailEnd type="none" w="med" len="med"/>
+                    </a:lnT>
+                    <a:lnB w="6350" cap="flat" cmpd="sng" algn="ctr">
+                      <a:solidFill>
+                        <a:srgbClr val="000000"/>
+                      </a:solidFill>
+                      <a:prstDash val="solid"/>
+                      <a:round/>
+                      <a:headEnd type="none" w="med" len="med"/>
+                      <a:tailEnd type="none" w="med" len="med"/>
+                    </a:lnB>
+                  </a:tcPr>
+                </a:tc>
+                <a:tc>
+                  <a:txBody>
+                    <a:bodyPr/>
+                    <a:lstStyle/>
+                    <a:p>
+                      <a:pPr algn="l" fontAlgn="b"/>
+                      <a:r>
+                        <a:rPr lang="en-US" sz="1400" b="1" kern="1200" dirty="0">
+                          <a:solidFill>
+                            <a:schemeClr val="bg2">
+                              <a:lumMod val="25000"/>
+                            </a:schemeClr>
+                          </a:solidFill>
+                          <a:latin typeface="Arial" panose="020B0604020202020204" pitchFamily="34" charset="0"/>
+                          <a:ea typeface="+mn-ea"/>
+                          <a:cs typeface="Arial" panose="020B0604020202020204" pitchFamily="34" charset="0"/>
+                        </a:rPr>
+                        <a:t>Category</a:t>
+                      </a:r>
+                    </a:p>
+                  </a:txBody>
+                  <a:tcPr marL="7620" marR="7620" marT="7620" marB="0" anchor="b">
+                    <a:lnL w="6350" cap="flat" cmpd="sng" algn="ctr">
+                      <a:solidFill>
+                        <a:srgbClr val="000000"/>
+                      </a:solidFill>
+                      <a:prstDash val="solid"/>
+                      <a:round/>
+                      <a:headEnd type="none" w="med" len="med"/>
+                      <a:tailEnd type="none" w="med" len="med"/>
+                    </a:lnL>
+                    <a:lnR w="6350" cap="flat" cmpd="sng" algn="ctr">
+                      <a:solidFill>
+                        <a:srgbClr val="000000"/>
+                      </a:solidFill>
+                      <a:prstDash val="solid"/>
+                      <a:round/>
+                      <a:headEnd type="none" w="med" len="med"/>
+                      <a:tailEnd type="none" w="med" len="med"/>
+                    </a:lnR>
+                    <a:lnT w="6350" cap="flat" cmpd="sng" algn="ctr">
+                      <a:solidFill>
+                        <a:srgbClr val="000000"/>
+                      </a:solidFill>
+                      <a:prstDash val="solid"/>
+                      <a:round/>
+                      <a:headEnd type="none" w="med" len="med"/>
+                      <a:tailEnd type="none" w="med" len="med"/>
+                    </a:lnT>
+                    <a:lnB w="6350" cap="flat" cmpd="sng" algn="ctr">
+                      <a:solidFill>
+                        <a:srgbClr val="000000"/>
+                      </a:solidFill>
+                      <a:prstDash val="solid"/>
+                      <a:round/>
+                      <a:headEnd type="none" w="med" len="med"/>
+                      <a:tailEnd type="none" w="med" len="med"/>
+                    </a:lnB>
+                  </a:tcPr>
+                </a:tc>
+                <a:tc>
+                  <a:txBody>
+                    <a:bodyPr/>
+                    <a:lstStyle/>
+                    <a:p>
+                      <a:pPr algn="l" fontAlgn="b"/>
+                      <a:r>
+                        <a:rPr lang="en-US" sz="1400" b="1" kern="1200" dirty="0">
+                          <a:solidFill>
+                            <a:schemeClr val="bg2">
+                              <a:lumMod val="25000"/>
+                            </a:schemeClr>
+                          </a:solidFill>
+                          <a:latin typeface="Arial" panose="020B0604020202020204" pitchFamily="34" charset="0"/>
+                          <a:ea typeface="+mn-ea"/>
+                          <a:cs typeface="Arial" panose="020B0604020202020204" pitchFamily="34" charset="0"/>
+                        </a:rPr>
+                        <a:t>Count</a:t>
+                      </a:r>
+                    </a:p>
+                  </a:txBody>
+                  <a:tcPr marL="7620" marR="7620" marT="7620" marB="0" anchor="b">
+                    <a:lnL w="6350" cap="flat" cmpd="sng" algn="ctr">
+                      <a:solidFill>
+                        <a:srgbClr val="000000"/>
+                      </a:solidFill>
+                      <a:prstDash val="solid"/>
+                      <a:round/>
+                      <a:headEnd type="none" w="med" len="med"/>
+                      <a:tailEnd type="none" w="med" len="med"/>
+                    </a:lnL>
+                    <a:lnR w="6350" cap="flat" cmpd="sng" algn="ctr">
+                      <a:solidFill>
+                        <a:srgbClr val="000000"/>
+                      </a:solidFill>
+                      <a:prstDash val="solid"/>
+                      <a:round/>
+                      <a:headEnd type="none" w="med" len="med"/>
+                      <a:tailEnd type="none" w="med" len="med"/>
+                    </a:lnR>
+                    <a:lnT w="6350" cap="flat" cmpd="sng" algn="ctr">
+                      <a:solidFill>
+                        <a:srgbClr val="000000"/>
+                      </a:solidFill>
+                      <a:prstDash val="solid"/>
+                      <a:round/>
+                      <a:headEnd type="none" w="med" len="med"/>
+                      <a:tailEnd type="none" w="med" len="med"/>
+                    </a:lnT>
+                    <a:lnB w="6350" cap="flat" cmpd="sng" algn="ctr">
+                      <a:solidFill>
+                        <a:srgbClr val="000000"/>
+                      </a:solidFill>
+                      <a:prstDash val="solid"/>
+                      <a:round/>
+                      <a:headEnd type="none" w="med" len="med"/>
+                      <a:tailEnd type="none" w="med" len="med"/>
+                    </a:lnB>
+                  </a:tcPr>
+                </a:tc>
+                <a:extLst>
+                  <a:ext uri="{0D108BD9-81ED-4DB2-BD59-A6C34878D82A}">
+                    <a16:rowId xmlns:a16="http://schemas.microsoft.com/office/drawing/2014/main" val="2730305135"/>
+                  </a:ext>
+                </a:extLst>
+              </a:tr>
+              <a:tr h="301109">
+                <a:tc>
+                  <a:txBody>
+                    <a:bodyPr/>
+                    <a:lstStyle/>
+                    <a:p>
+                      <a:pPr algn="l" fontAlgn="b"/>
+                      <a:r>
+                        <a:rPr lang="en-US" sz="1400" kern="1200" dirty="0">
+                          <a:solidFill>
+                            <a:schemeClr val="bg2">
+                              <a:lumMod val="25000"/>
+                            </a:schemeClr>
+                          </a:solidFill>
+                          <a:latin typeface="Arial" panose="020B0604020202020204" pitchFamily="34" charset="0"/>
+                          <a:ea typeface="+mn-ea"/>
+                          <a:cs typeface="Arial" panose="020B0604020202020204" pitchFamily="34" charset="0"/>
+                        </a:rPr>
+                        <a:t>USA</a:t>
+                      </a:r>
+                    </a:p>
+                  </a:txBody>
+                  <a:tcPr marL="7620" marR="7620" marT="7620" marB="0" anchor="b">
+                    <a:lnL w="6350" cap="flat" cmpd="sng" algn="ctr">
+                      <a:solidFill>
+                        <a:srgbClr val="000000"/>
+                      </a:solidFill>
+                      <a:prstDash val="solid"/>
+                      <a:round/>
+                      <a:headEnd type="none" w="med" len="med"/>
+                      <a:tailEnd type="none" w="med" len="med"/>
+                    </a:lnL>
+                    <a:lnR w="6350" cap="flat" cmpd="sng" algn="ctr">
+                      <a:solidFill>
+                        <a:srgbClr val="000000"/>
+                      </a:solidFill>
+                      <a:prstDash val="solid"/>
+                      <a:round/>
+                      <a:headEnd type="none" w="med" len="med"/>
+                      <a:tailEnd type="none" w="med" len="med"/>
+                    </a:lnR>
+                    <a:lnT w="6350" cap="flat" cmpd="sng" algn="ctr">
+                      <a:solidFill>
+                        <a:srgbClr val="000000"/>
+                      </a:solidFill>
+                      <a:prstDash val="solid"/>
+                      <a:round/>
+                      <a:headEnd type="none" w="med" len="med"/>
+                      <a:tailEnd type="none" w="med" len="med"/>
+                    </a:lnT>
+                    <a:lnB w="6350" cap="flat" cmpd="sng" algn="ctr">
+                      <a:solidFill>
+                        <a:srgbClr val="000000"/>
+                      </a:solidFill>
+                      <a:prstDash val="solid"/>
+                      <a:round/>
+                      <a:headEnd type="none" w="med" len="med"/>
+                      <a:tailEnd type="none" w="med" len="med"/>
+                    </a:lnB>
+                  </a:tcPr>
+                </a:tc>
+                <a:tc>
+                  <a:txBody>
+                    <a:bodyPr/>
+                    <a:lstStyle/>
+                    <a:p>
+                      <a:pPr algn="l" fontAlgn="b"/>
+                      <a:r>
+                        <a:rPr lang="en-US" sz="1400" kern="1200" dirty="0">
+                          <a:solidFill>
+                            <a:schemeClr val="bg2">
+                              <a:lumMod val="25000"/>
+                            </a:schemeClr>
+                          </a:solidFill>
+                          <a:latin typeface="Arial" panose="020B0604020202020204" pitchFamily="34" charset="0"/>
+                          <a:ea typeface="+mn-ea"/>
+                          <a:cs typeface="Arial" panose="020B0604020202020204" pitchFamily="34" charset="0"/>
+                        </a:rPr>
+                        <a:t>Restaurant</a:t>
+                      </a:r>
+                    </a:p>
+                  </a:txBody>
+                  <a:tcPr marL="7620" marR="7620" marT="7620" marB="0" anchor="b">
+                    <a:lnL w="6350" cap="flat" cmpd="sng" algn="ctr">
+                      <a:solidFill>
+                        <a:srgbClr val="000000"/>
+                      </a:solidFill>
+                      <a:prstDash val="solid"/>
+                      <a:round/>
+                      <a:headEnd type="none" w="med" len="med"/>
+                      <a:tailEnd type="none" w="med" len="med"/>
+                    </a:lnL>
+                    <a:lnR w="6350" cap="flat" cmpd="sng" algn="ctr">
+                      <a:solidFill>
+                        <a:srgbClr val="000000"/>
+                      </a:solidFill>
+                      <a:prstDash val="solid"/>
+                      <a:round/>
+                      <a:headEnd type="none" w="med" len="med"/>
+                      <a:tailEnd type="none" w="med" len="med"/>
+                    </a:lnR>
+                    <a:lnT w="6350" cap="flat" cmpd="sng" algn="ctr">
+                      <a:solidFill>
+                        <a:srgbClr val="000000"/>
+                      </a:solidFill>
+                      <a:prstDash val="solid"/>
+                      <a:round/>
+                      <a:headEnd type="none" w="med" len="med"/>
+                      <a:tailEnd type="none" w="med" len="med"/>
+                    </a:lnT>
+                    <a:lnB w="6350" cap="flat" cmpd="sng" algn="ctr">
+                      <a:solidFill>
+                        <a:srgbClr val="000000"/>
+                      </a:solidFill>
+                      <a:prstDash val="solid"/>
+                      <a:round/>
+                      <a:headEnd type="none" w="med" len="med"/>
+                      <a:tailEnd type="none" w="med" len="med"/>
+                    </a:lnB>
+                  </a:tcPr>
+                </a:tc>
+                <a:tc>
+                  <a:txBody>
+                    <a:bodyPr/>
+                    <a:lstStyle/>
+                    <a:p>
+                      <a:pPr algn="r" fontAlgn="b"/>
+                      <a:r>
+                        <a:rPr lang="en-US" sz="1400" kern="1200" dirty="0">
+                          <a:solidFill>
+                            <a:schemeClr val="bg2">
+                              <a:lumMod val="25000"/>
+                            </a:schemeClr>
+                          </a:solidFill>
+                          <a:latin typeface="Arial" panose="020B0604020202020204" pitchFamily="34" charset="0"/>
+                          <a:ea typeface="+mn-ea"/>
+                          <a:cs typeface="Arial" panose="020B0604020202020204" pitchFamily="34" charset="0"/>
+                        </a:rPr>
+                        <a:t>51,322</a:t>
+                      </a:r>
+                    </a:p>
+                  </a:txBody>
+                  <a:tcPr marL="7620" marR="7620" marT="7620" marB="0" anchor="b">
+                    <a:lnL w="6350" cap="flat" cmpd="sng" algn="ctr">
+                      <a:solidFill>
+                        <a:srgbClr val="000000"/>
+                      </a:solidFill>
+                      <a:prstDash val="solid"/>
+                      <a:round/>
+                      <a:headEnd type="none" w="med" len="med"/>
+                      <a:tailEnd type="none" w="med" len="med"/>
+                    </a:lnL>
+                    <a:lnR w="6350" cap="flat" cmpd="sng" algn="ctr">
+                      <a:solidFill>
+                        <a:srgbClr val="000000"/>
+                      </a:solidFill>
+                      <a:prstDash val="solid"/>
+                      <a:round/>
+                      <a:headEnd type="none" w="med" len="med"/>
+                      <a:tailEnd type="none" w="med" len="med"/>
+                    </a:lnR>
+                    <a:lnT w="6350" cap="flat" cmpd="sng" algn="ctr">
+                      <a:solidFill>
+                        <a:srgbClr val="000000"/>
+                      </a:solidFill>
+                      <a:prstDash val="solid"/>
+                      <a:round/>
+                      <a:headEnd type="none" w="med" len="med"/>
+                      <a:tailEnd type="none" w="med" len="med"/>
+                    </a:lnT>
+                    <a:lnB w="6350" cap="flat" cmpd="sng" algn="ctr">
+                      <a:solidFill>
+                        <a:srgbClr val="000000"/>
+                      </a:solidFill>
+                      <a:prstDash val="solid"/>
+                      <a:round/>
+                      <a:headEnd type="none" w="med" len="med"/>
+                      <a:tailEnd type="none" w="med" len="med"/>
+                    </a:lnB>
+                  </a:tcPr>
+                </a:tc>
+                <a:extLst>
+                  <a:ext uri="{0D108BD9-81ED-4DB2-BD59-A6C34878D82A}">
+                    <a16:rowId xmlns:a16="http://schemas.microsoft.com/office/drawing/2014/main" val="350812283"/>
+                  </a:ext>
+                </a:extLst>
+              </a:tr>
+              <a:tr h="301109">
+                <a:tc>
+                  <a:txBody>
+                    <a:bodyPr/>
+                    <a:lstStyle/>
+                    <a:p>
+                      <a:pPr algn="l" fontAlgn="b"/>
+                      <a:r>
+                        <a:rPr lang="en-US" sz="1400" kern="1200" dirty="0">
+                          <a:solidFill>
+                            <a:schemeClr val="bg2">
+                              <a:lumMod val="25000"/>
+                            </a:schemeClr>
+                          </a:solidFill>
+                          <a:latin typeface="Arial" panose="020B0604020202020204" pitchFamily="34" charset="0"/>
+                          <a:ea typeface="+mn-ea"/>
+                          <a:cs typeface="Arial" panose="020B0604020202020204" pitchFamily="34" charset="0"/>
+                        </a:rPr>
+                        <a:t>Any</a:t>
+                      </a:r>
+                    </a:p>
+                  </a:txBody>
+                  <a:tcPr marL="7620" marR="7620" marT="7620" marB="0" anchor="b">
+                    <a:lnL w="6350" cap="flat" cmpd="sng" algn="ctr">
+                      <a:solidFill>
+                        <a:srgbClr val="000000"/>
+                      </a:solidFill>
+                      <a:prstDash val="solid"/>
+                      <a:round/>
+                      <a:headEnd type="none" w="med" len="med"/>
+                      <a:tailEnd type="none" w="med" len="med"/>
+                    </a:lnL>
+                    <a:lnR w="6350" cap="flat" cmpd="sng" algn="ctr">
+                      <a:solidFill>
+                        <a:srgbClr val="000000"/>
+                      </a:solidFill>
+                      <a:prstDash val="solid"/>
+                      <a:round/>
+                      <a:headEnd type="none" w="med" len="med"/>
+                      <a:tailEnd type="none" w="med" len="med"/>
+                    </a:lnR>
+                    <a:lnT w="6350" cap="flat" cmpd="sng" algn="ctr">
+                      <a:solidFill>
+                        <a:srgbClr val="000000"/>
+                      </a:solidFill>
+                      <a:prstDash val="solid"/>
+                      <a:round/>
+                      <a:headEnd type="none" w="med" len="med"/>
+                      <a:tailEnd type="none" w="med" len="med"/>
+                    </a:lnT>
+                    <a:lnB w="6350" cap="flat" cmpd="sng" algn="ctr">
+                      <a:solidFill>
+                        <a:srgbClr val="000000"/>
+                      </a:solidFill>
+                      <a:prstDash val="solid"/>
+                      <a:round/>
+                      <a:headEnd type="none" w="med" len="med"/>
+                      <a:tailEnd type="none" w="med" len="med"/>
+                    </a:lnB>
+                  </a:tcPr>
+                </a:tc>
+                <a:tc>
+                  <a:txBody>
+                    <a:bodyPr/>
+                    <a:lstStyle/>
+                    <a:p>
+                      <a:pPr algn="l" fontAlgn="b"/>
+                      <a:r>
+                        <a:rPr lang="en-US" sz="1400" kern="1200" dirty="0">
+                          <a:solidFill>
+                            <a:schemeClr val="bg2">
+                              <a:lumMod val="25000"/>
+                            </a:schemeClr>
+                          </a:solidFill>
+                          <a:latin typeface="Arial" panose="020B0604020202020204" pitchFamily="34" charset="0"/>
+                          <a:ea typeface="+mn-ea"/>
+                          <a:cs typeface="Arial" panose="020B0604020202020204" pitchFamily="34" charset="0"/>
+                        </a:rPr>
+                        <a:t>Non-Restaurant</a:t>
+                      </a:r>
+                    </a:p>
+                  </a:txBody>
+                  <a:tcPr marL="7620" marR="7620" marT="7620" marB="0" anchor="b">
+                    <a:lnL w="6350" cap="flat" cmpd="sng" algn="ctr">
+                      <a:solidFill>
+                        <a:srgbClr val="000000"/>
+                      </a:solidFill>
+                      <a:prstDash val="solid"/>
+                      <a:round/>
+                      <a:headEnd type="none" w="med" len="med"/>
+                      <a:tailEnd type="none" w="med" len="med"/>
+                    </a:lnL>
+                    <a:lnR w="6350" cap="flat" cmpd="sng" algn="ctr">
+                      <a:solidFill>
+                        <a:srgbClr val="000000"/>
+                      </a:solidFill>
+                      <a:prstDash val="solid"/>
+                      <a:round/>
+                      <a:headEnd type="none" w="med" len="med"/>
+                      <a:tailEnd type="none" w="med" len="med"/>
+                    </a:lnR>
+                    <a:lnT w="6350" cap="flat" cmpd="sng" algn="ctr">
+                      <a:solidFill>
+                        <a:srgbClr val="000000"/>
+                      </a:solidFill>
+                      <a:prstDash val="solid"/>
+                      <a:round/>
+                      <a:headEnd type="none" w="med" len="med"/>
+                      <a:tailEnd type="none" w="med" len="med"/>
+                    </a:lnT>
+                    <a:lnB w="6350" cap="flat" cmpd="sng" algn="ctr">
+                      <a:solidFill>
+                        <a:srgbClr val="000000"/>
+                      </a:solidFill>
+                      <a:prstDash val="solid"/>
+                      <a:round/>
+                      <a:headEnd type="none" w="med" len="med"/>
+                      <a:tailEnd type="none" w="med" len="med"/>
+                    </a:lnB>
+                  </a:tcPr>
+                </a:tc>
+                <a:tc>
+                  <a:txBody>
+                    <a:bodyPr/>
+                    <a:lstStyle/>
+                    <a:p>
+                      <a:pPr algn="r" fontAlgn="b"/>
+                      <a:r>
+                        <a:rPr lang="en-US" sz="1400" kern="1200" dirty="0">
+                          <a:solidFill>
+                            <a:schemeClr val="bg2">
+                              <a:lumMod val="25000"/>
+                            </a:schemeClr>
+                          </a:solidFill>
+                          <a:latin typeface="Arial" panose="020B0604020202020204" pitchFamily="34" charset="0"/>
+                          <a:ea typeface="+mn-ea"/>
+                          <a:cs typeface="Arial" panose="020B0604020202020204" pitchFamily="34" charset="0"/>
+                        </a:rPr>
+                        <a:t>119,558</a:t>
+                      </a:r>
+                    </a:p>
+                  </a:txBody>
+                  <a:tcPr marL="7620" marR="7620" marT="7620" marB="0" anchor="b">
+                    <a:lnL w="6350" cap="flat" cmpd="sng" algn="ctr">
+                      <a:solidFill>
+                        <a:srgbClr val="000000"/>
+                      </a:solidFill>
+                      <a:prstDash val="solid"/>
+                      <a:round/>
+                      <a:headEnd type="none" w="med" len="med"/>
+                      <a:tailEnd type="none" w="med" len="med"/>
+                    </a:lnL>
+                    <a:lnR w="6350" cap="flat" cmpd="sng" algn="ctr">
+                      <a:solidFill>
+                        <a:srgbClr val="000000"/>
+                      </a:solidFill>
+                      <a:prstDash val="solid"/>
+                      <a:round/>
+                      <a:headEnd type="none" w="med" len="med"/>
+                      <a:tailEnd type="none" w="med" len="med"/>
+                    </a:lnR>
+                    <a:lnT w="6350" cap="flat" cmpd="sng" algn="ctr">
+                      <a:solidFill>
+                        <a:srgbClr val="000000"/>
+                      </a:solidFill>
+                      <a:prstDash val="solid"/>
+                      <a:round/>
+                      <a:headEnd type="none" w="med" len="med"/>
+                      <a:tailEnd type="none" w="med" len="med"/>
+                    </a:lnT>
+                    <a:lnB w="6350" cap="flat" cmpd="sng" algn="ctr">
+                      <a:solidFill>
+                        <a:srgbClr val="000000"/>
+                      </a:solidFill>
+                      <a:prstDash val="solid"/>
+                      <a:round/>
+                      <a:headEnd type="none" w="med" len="med"/>
+                      <a:tailEnd type="none" w="med" len="med"/>
+                    </a:lnB>
+                  </a:tcPr>
+                </a:tc>
+                <a:extLst>
+                  <a:ext uri="{0D108BD9-81ED-4DB2-BD59-A6C34878D82A}">
+                    <a16:rowId xmlns:a16="http://schemas.microsoft.com/office/drawing/2014/main" val="415256095"/>
+                  </a:ext>
+                </a:extLst>
+              </a:tr>
+              <a:tr h="301109">
+                <a:tc>
+                  <a:txBody>
+                    <a:bodyPr/>
+                    <a:lstStyle/>
+                    <a:p>
+                      <a:pPr algn="l" fontAlgn="b"/>
+                      <a:r>
+                        <a:rPr lang="en-US" sz="1400" kern="1200" dirty="0">
+                          <a:solidFill>
+                            <a:schemeClr val="bg2">
+                              <a:lumMod val="25000"/>
+                            </a:schemeClr>
+                          </a:solidFill>
+                          <a:latin typeface="Arial" panose="020B0604020202020204" pitchFamily="34" charset="0"/>
+                          <a:ea typeface="+mn-ea"/>
+                          <a:cs typeface="Arial" panose="020B0604020202020204" pitchFamily="34" charset="0"/>
+                        </a:rPr>
+                        <a:t>NONUSA</a:t>
+                      </a:r>
+                    </a:p>
+                  </a:txBody>
+                  <a:tcPr marL="7620" marR="7620" marT="7620" marB="0" anchor="b">
+                    <a:lnL w="6350" cap="flat" cmpd="sng" algn="ctr">
+                      <a:solidFill>
+                        <a:srgbClr val="000000"/>
+                      </a:solidFill>
+                      <a:prstDash val="solid"/>
+                      <a:round/>
+                      <a:headEnd type="none" w="med" len="med"/>
+                      <a:tailEnd type="none" w="med" len="med"/>
+                    </a:lnL>
+                    <a:lnR w="6350" cap="flat" cmpd="sng" algn="ctr">
+                      <a:solidFill>
+                        <a:srgbClr val="000000"/>
+                      </a:solidFill>
+                      <a:prstDash val="solid"/>
+                      <a:round/>
+                      <a:headEnd type="none" w="med" len="med"/>
+                      <a:tailEnd type="none" w="med" len="med"/>
+                    </a:lnR>
+                    <a:lnT w="6350" cap="flat" cmpd="sng" algn="ctr">
+                      <a:solidFill>
+                        <a:srgbClr val="000000"/>
+                      </a:solidFill>
+                      <a:prstDash val="solid"/>
+                      <a:round/>
+                      <a:headEnd type="none" w="med" len="med"/>
+                      <a:tailEnd type="none" w="med" len="med"/>
+                    </a:lnT>
+                    <a:lnB w="6350" cap="flat" cmpd="sng" algn="ctr">
+                      <a:solidFill>
+                        <a:srgbClr val="000000"/>
+                      </a:solidFill>
+                      <a:prstDash val="solid"/>
+                      <a:round/>
+                      <a:headEnd type="none" w="med" len="med"/>
+                      <a:tailEnd type="none" w="med" len="med"/>
+                    </a:lnB>
+                  </a:tcPr>
+                </a:tc>
+                <a:tc>
+                  <a:txBody>
+                    <a:bodyPr/>
+                    <a:lstStyle/>
+                    <a:p>
+                      <a:pPr algn="l" fontAlgn="b"/>
+                      <a:r>
+                        <a:rPr lang="en-US" sz="1400" kern="1200" dirty="0">
+                          <a:solidFill>
+                            <a:schemeClr val="bg2">
+                              <a:lumMod val="25000"/>
+                            </a:schemeClr>
+                          </a:solidFill>
+                          <a:latin typeface="Arial" panose="020B0604020202020204" pitchFamily="34" charset="0"/>
+                          <a:ea typeface="+mn-ea"/>
+                          <a:cs typeface="Arial" panose="020B0604020202020204" pitchFamily="34" charset="0"/>
+                        </a:rPr>
+                        <a:t>Restaurant</a:t>
+                      </a:r>
+                    </a:p>
+                  </a:txBody>
+                  <a:tcPr marL="7620" marR="7620" marT="7620" marB="0" anchor="b">
+                    <a:lnL w="6350" cap="flat" cmpd="sng" algn="ctr">
+                      <a:solidFill>
+                        <a:srgbClr val="000000"/>
+                      </a:solidFill>
+                      <a:prstDash val="solid"/>
+                      <a:round/>
+                      <a:headEnd type="none" w="med" len="med"/>
+                      <a:tailEnd type="none" w="med" len="med"/>
+                    </a:lnL>
+                    <a:lnR w="6350" cap="flat" cmpd="sng" algn="ctr">
+                      <a:solidFill>
+                        <a:srgbClr val="000000"/>
+                      </a:solidFill>
+                      <a:prstDash val="solid"/>
+                      <a:round/>
+                      <a:headEnd type="none" w="med" len="med"/>
+                      <a:tailEnd type="none" w="med" len="med"/>
+                    </a:lnR>
+                    <a:lnT w="6350" cap="flat" cmpd="sng" algn="ctr">
+                      <a:solidFill>
+                        <a:srgbClr val="000000"/>
+                      </a:solidFill>
+                      <a:prstDash val="solid"/>
+                      <a:round/>
+                      <a:headEnd type="none" w="med" len="med"/>
+                      <a:tailEnd type="none" w="med" len="med"/>
+                    </a:lnT>
+                    <a:lnB w="6350" cap="flat" cmpd="sng" algn="ctr">
+                      <a:solidFill>
+                        <a:srgbClr val="000000"/>
+                      </a:solidFill>
+                      <a:prstDash val="solid"/>
+                      <a:round/>
+                      <a:headEnd type="none" w="med" len="med"/>
+                      <a:tailEnd type="none" w="med" len="med"/>
+                    </a:lnB>
+                  </a:tcPr>
+                </a:tc>
+                <a:tc>
+                  <a:txBody>
+                    <a:bodyPr/>
+                    <a:lstStyle/>
+                    <a:p>
+                      <a:pPr algn="r" fontAlgn="b"/>
+                      <a:r>
+                        <a:rPr lang="en-US" sz="1400" kern="1200" dirty="0">
+                          <a:solidFill>
+                            <a:schemeClr val="bg2">
+                              <a:lumMod val="25000"/>
+                            </a:schemeClr>
+                          </a:solidFill>
+                          <a:latin typeface="Arial" panose="020B0604020202020204" pitchFamily="34" charset="0"/>
+                          <a:ea typeface="+mn-ea"/>
+                          <a:cs typeface="Arial" panose="020B0604020202020204" pitchFamily="34" charset="0"/>
+                        </a:rPr>
+                        <a:t>24</a:t>
+                      </a:r>
+                    </a:p>
+                  </a:txBody>
+                  <a:tcPr marL="7620" marR="7620" marT="7620" marB="0" anchor="b">
+                    <a:lnL w="6350" cap="flat" cmpd="sng" algn="ctr">
+                      <a:solidFill>
+                        <a:srgbClr val="000000"/>
+                      </a:solidFill>
+                      <a:prstDash val="solid"/>
+                      <a:round/>
+                      <a:headEnd type="none" w="med" len="med"/>
+                      <a:tailEnd type="none" w="med" len="med"/>
+                    </a:lnL>
+                    <a:lnR w="6350" cap="flat" cmpd="sng" algn="ctr">
+                      <a:solidFill>
+                        <a:srgbClr val="000000"/>
+                      </a:solidFill>
+                      <a:prstDash val="solid"/>
+                      <a:round/>
+                      <a:headEnd type="none" w="med" len="med"/>
+                      <a:tailEnd type="none" w="med" len="med"/>
+                    </a:lnR>
+                    <a:lnT w="6350" cap="flat" cmpd="sng" algn="ctr">
+                      <a:solidFill>
+                        <a:srgbClr val="000000"/>
+                      </a:solidFill>
+                      <a:prstDash val="solid"/>
+                      <a:round/>
+                      <a:headEnd type="none" w="med" len="med"/>
+                      <a:tailEnd type="none" w="med" len="med"/>
+                    </a:lnT>
+                    <a:lnB w="6350" cap="flat" cmpd="sng" algn="ctr">
+                      <a:solidFill>
+                        <a:srgbClr val="000000"/>
+                      </a:solidFill>
+                      <a:prstDash val="solid"/>
+                      <a:round/>
+                      <a:headEnd type="none" w="med" len="med"/>
+                      <a:tailEnd type="none" w="med" len="med"/>
+                    </a:lnB>
+                  </a:tcPr>
+                </a:tc>
+                <a:extLst>
+                  <a:ext uri="{0D108BD9-81ED-4DB2-BD59-A6C34878D82A}">
+                    <a16:rowId xmlns:a16="http://schemas.microsoft.com/office/drawing/2014/main" val="1397060964"/>
+                  </a:ext>
+                </a:extLst>
+              </a:tr>
+              <a:tr h="301109">
+                <a:tc>
+                  <a:txBody>
+                    <a:bodyPr/>
+                    <a:lstStyle/>
+                    <a:p>
+                      <a:pPr algn="l" fontAlgn="b"/>
+                      <a:r>
+                        <a:rPr lang="en-US" sz="1400" kern="1200" dirty="0">
+                          <a:solidFill>
+                            <a:schemeClr val="bg2">
+                              <a:lumMod val="25000"/>
+                            </a:schemeClr>
+                          </a:solidFill>
+                          <a:latin typeface="Arial" panose="020B0604020202020204" pitchFamily="34" charset="0"/>
+                          <a:ea typeface="+mn-ea"/>
+                          <a:cs typeface="Arial" panose="020B0604020202020204" pitchFamily="34" charset="0"/>
+                        </a:rPr>
+                        <a:t>NONUSA</a:t>
+                      </a:r>
+                    </a:p>
+                  </a:txBody>
+                  <a:tcPr marL="7620" marR="7620" marT="7620" marB="0" anchor="b">
+                    <a:lnL w="6350" cap="flat" cmpd="sng" algn="ctr">
+                      <a:solidFill>
+                        <a:srgbClr val="000000"/>
+                      </a:solidFill>
+                      <a:prstDash val="solid"/>
+                      <a:round/>
+                      <a:headEnd type="none" w="med" len="med"/>
+                      <a:tailEnd type="none" w="med" len="med"/>
+                    </a:lnL>
+                    <a:lnR w="6350" cap="flat" cmpd="sng" algn="ctr">
+                      <a:solidFill>
+                        <a:srgbClr val="000000"/>
+                      </a:solidFill>
+                      <a:prstDash val="solid"/>
+                      <a:round/>
+                      <a:headEnd type="none" w="med" len="med"/>
+                      <a:tailEnd type="none" w="med" len="med"/>
+                    </a:lnR>
+                    <a:lnT w="6350" cap="flat" cmpd="sng" algn="ctr">
+                      <a:solidFill>
+                        <a:srgbClr val="000000"/>
+                      </a:solidFill>
+                      <a:prstDash val="solid"/>
+                      <a:round/>
+                      <a:headEnd type="none" w="med" len="med"/>
+                      <a:tailEnd type="none" w="med" len="med"/>
+                    </a:lnT>
+                    <a:lnB w="6350" cap="flat" cmpd="sng" algn="ctr">
+                      <a:solidFill>
+                        <a:srgbClr val="000000"/>
+                      </a:solidFill>
+                      <a:prstDash val="solid"/>
+                      <a:round/>
+                      <a:headEnd type="none" w="med" len="med"/>
+                      <a:tailEnd type="none" w="med" len="med"/>
+                    </a:lnB>
+                  </a:tcPr>
+                </a:tc>
+                <a:tc>
+                  <a:txBody>
+                    <a:bodyPr/>
+                    <a:lstStyle/>
+                    <a:p>
+                      <a:pPr algn="l" fontAlgn="b"/>
+                      <a:r>
+                        <a:rPr lang="en-US" sz="1400" kern="1200" dirty="0">
+                          <a:solidFill>
+                            <a:schemeClr val="bg2">
+                              <a:lumMod val="25000"/>
+                            </a:schemeClr>
+                          </a:solidFill>
+                          <a:latin typeface="Arial" panose="020B0604020202020204" pitchFamily="34" charset="0"/>
+                          <a:ea typeface="+mn-ea"/>
+                          <a:cs typeface="Arial" panose="020B0604020202020204" pitchFamily="34" charset="0"/>
+                        </a:rPr>
+                        <a:t>Restaurant</a:t>
+                      </a:r>
+                    </a:p>
+                  </a:txBody>
+                  <a:tcPr marL="7620" marR="7620" marT="7620" marB="0" anchor="b">
+                    <a:lnL w="6350" cap="flat" cmpd="sng" algn="ctr">
+                      <a:solidFill>
+                        <a:srgbClr val="000000"/>
+                      </a:solidFill>
+                      <a:prstDash val="solid"/>
+                      <a:round/>
+                      <a:headEnd type="none" w="med" len="med"/>
+                      <a:tailEnd type="none" w="med" len="med"/>
+                    </a:lnL>
+                    <a:lnR w="6350" cap="flat" cmpd="sng" algn="ctr">
+                      <a:solidFill>
+                        <a:srgbClr val="000000"/>
+                      </a:solidFill>
+                      <a:prstDash val="solid"/>
+                      <a:round/>
+                      <a:headEnd type="none" w="med" len="med"/>
+                      <a:tailEnd type="none" w="med" len="med"/>
+                    </a:lnR>
+                    <a:lnT w="6350" cap="flat" cmpd="sng" algn="ctr">
+                      <a:solidFill>
+                        <a:srgbClr val="000000"/>
+                      </a:solidFill>
+                      <a:prstDash val="solid"/>
+                      <a:round/>
+                      <a:headEnd type="none" w="med" len="med"/>
+                      <a:tailEnd type="none" w="med" len="med"/>
+                    </a:lnT>
+                    <a:lnB w="6350" cap="flat" cmpd="sng" algn="ctr">
+                      <a:solidFill>
+                        <a:srgbClr val="000000"/>
+                      </a:solidFill>
+                      <a:prstDash val="solid"/>
+                      <a:round/>
+                      <a:headEnd type="none" w="med" len="med"/>
+                      <a:tailEnd type="none" w="med" len="med"/>
+                    </a:lnB>
+                  </a:tcPr>
+                </a:tc>
+                <a:tc>
+                  <a:txBody>
+                    <a:bodyPr/>
+                    <a:lstStyle/>
+                    <a:p>
+                      <a:pPr algn="r" fontAlgn="b"/>
+                      <a:r>
+                        <a:rPr lang="en-US" sz="1400" kern="1200" dirty="0">
+                          <a:solidFill>
+                            <a:schemeClr val="bg2">
+                              <a:lumMod val="25000"/>
+                            </a:schemeClr>
+                          </a:solidFill>
+                          <a:latin typeface="Arial" panose="020B0604020202020204" pitchFamily="34" charset="0"/>
+                          <a:ea typeface="+mn-ea"/>
+                          <a:cs typeface="Arial" panose="020B0604020202020204" pitchFamily="34" charset="0"/>
+                        </a:rPr>
+                        <a:t>3,678</a:t>
+                      </a:r>
+                    </a:p>
+                  </a:txBody>
+                  <a:tcPr marL="7620" marR="7620" marT="7620" marB="0" anchor="b">
+                    <a:lnL w="6350" cap="flat" cmpd="sng" algn="ctr">
+                      <a:solidFill>
+                        <a:srgbClr val="000000"/>
+                      </a:solidFill>
+                      <a:prstDash val="solid"/>
+                      <a:round/>
+                      <a:headEnd type="none" w="med" len="med"/>
+                      <a:tailEnd type="none" w="med" len="med"/>
+                    </a:lnL>
+                    <a:lnR w="6350" cap="flat" cmpd="sng" algn="ctr">
+                      <a:solidFill>
+                        <a:srgbClr val="000000"/>
+                      </a:solidFill>
+                      <a:prstDash val="solid"/>
+                      <a:round/>
+                      <a:headEnd type="none" w="med" len="med"/>
+                      <a:tailEnd type="none" w="med" len="med"/>
+                    </a:lnR>
+                    <a:lnT w="6350" cap="flat" cmpd="sng" algn="ctr">
+                      <a:solidFill>
+                        <a:srgbClr val="000000"/>
+                      </a:solidFill>
+                      <a:prstDash val="solid"/>
+                      <a:round/>
+                      <a:headEnd type="none" w="med" len="med"/>
+                      <a:tailEnd type="none" w="med" len="med"/>
+                    </a:lnT>
+                    <a:lnB w="6350" cap="flat" cmpd="sng" algn="ctr">
+                      <a:solidFill>
+                        <a:srgbClr val="000000"/>
+                      </a:solidFill>
+                      <a:prstDash val="solid"/>
+                      <a:round/>
+                      <a:headEnd type="none" w="med" len="med"/>
+                      <a:tailEnd type="none" w="med" len="med"/>
+                    </a:lnB>
+                  </a:tcPr>
+                </a:tc>
+                <a:extLst>
+                  <a:ext uri="{0D108BD9-81ED-4DB2-BD59-A6C34878D82A}">
+                    <a16:rowId xmlns:a16="http://schemas.microsoft.com/office/drawing/2014/main" val="2196368459"/>
+                  </a:ext>
+                </a:extLst>
+              </a:tr>
+            </a:tbl>
+          </a:graphicData>
+        </a:graphic>
+      </p:graphicFrame>
     </p:spTree>
     <p:extLst>
       <p:ext uri="{BB962C8B-B14F-4D97-AF65-F5344CB8AC3E}">
@@ -12385,7 +13861,7 @@
 </file>
 
 <file path=ppt/slides/slide7.xml><?xml version="1.0" encoding="utf-8"?>
-<p:sld xmlns:a="http://schemas.openxmlformats.org/drawingml/2006/main" xmlns:r="http://schemas.openxmlformats.org/officeDocument/2006/relationships" xmlns:p="http://schemas.openxmlformats.org/presentationml/2006/main">
+<p:sld xmlns:a="http://schemas.openxmlformats.org/drawingml/2006/main" xmlns:r="http://schemas.openxmlformats.org/officeDocument/2006/relationships" xmlns:p="http://schemas.openxmlformats.org/presentationml/2006/main" show="0">
   <p:cSld>
     <p:spTree>
       <p:nvGrpSpPr>
@@ -12630,7 +14106,7 @@
           <p:nvPr>
             <p:extLst>
               <p:ext uri="{D42A27DB-BD31-4B8C-83A1-F6EECF244321}">
-                <p14:modId xmlns:p14="http://schemas.microsoft.com/office/powerpoint/2010/main" val="2063001357"/>
+                <p14:modId xmlns:p14="http://schemas.microsoft.com/office/powerpoint/2010/main" val="767753215"/>
               </p:ext>
             </p:extLst>
           </p:nvPr>
@@ -12752,7 +14228,7 @@
                     <a:p>
                       <a:r>
                         <a:rPr lang="en-US" sz="1400" dirty="0"/>
-                        <a:t>174568</a:t>
+                        <a:t>174,549</a:t>
                       </a:r>
                     </a:p>
                   </a:txBody>
@@ -12765,7 +14241,7 @@
                     <a:p>
                       <a:r>
                         <a:rPr lang="en-US" sz="1400" dirty="0"/>
-                        <a:t>54630</a:t>
+                        <a:t>54,642</a:t>
                       </a:r>
                     </a:p>
                   </a:txBody>
@@ -12778,7 +14254,7 @@
                     <a:p>
                       <a:r>
                         <a:rPr lang="en-US" sz="1400" dirty="0"/>
-                        <a:t>30309</a:t>
+                        <a:t>30,309</a:t>
                       </a:r>
                     </a:p>
                   </a:txBody>
@@ -12811,7 +14287,7 @@
                     <a:p>
                       <a:r>
                         <a:rPr lang="en-US" sz="1400" dirty="0"/>
-                        <a:t>5442102</a:t>
+                        <a:t>5,442,102</a:t>
                       </a:r>
                     </a:p>
                   </a:txBody>
@@ -12824,7 +14300,7 @@
                     <a:p>
                       <a:r>
                         <a:rPr lang="en-US" sz="1400" dirty="0"/>
-                        <a:t>3072723</a:t>
+                        <a:t>3,072,723</a:t>
                       </a:r>
                     </a:p>
                   </a:txBody>
@@ -12861,7 +14337,7 @@
                           <a:ea typeface="+mn-ea"/>
                           <a:cs typeface="+mn-cs"/>
                         </a:rPr>
-                        <a:t>2385657</a:t>
+                        <a:t>2,385,657</a:t>
                       </a:r>
                     </a:p>
                   </a:txBody>
@@ -12891,7 +14367,7 @@
 </file>
 
 <file path=ppt/slides/slide9.xml><?xml version="1.0" encoding="utf-8"?>
-<p:sld xmlns:a="http://schemas.openxmlformats.org/drawingml/2006/main" xmlns:r="http://schemas.openxmlformats.org/officeDocument/2006/relationships" xmlns:p="http://schemas.openxmlformats.org/presentationml/2006/main">
+<p:sld xmlns:a="http://schemas.openxmlformats.org/drawingml/2006/main" xmlns:r="http://schemas.openxmlformats.org/officeDocument/2006/relationships" xmlns:p="http://schemas.openxmlformats.org/presentationml/2006/main" show="0">
   <p:cSld>
     <p:spTree>
       <p:nvGrpSpPr>
